--- a/docs/diagrams/HighLevelLogic.pptx
+++ b/docs/diagrams/HighLevelLogic.pptx
@@ -3349,10 +3349,10 @@
       </p:grpSpPr>
       <p:grpSp>
         <p:nvGrpSpPr>
-          <p:cNvPr id="4" name="Group 3">
-            <a:extLst>
-              <a:ext uri="{FF2B5EF4-FFF2-40B4-BE49-F238E27FC236}">
-                <a16:creationId xmlns:a16="http://schemas.microsoft.com/office/drawing/2014/main" id="{E7A7F5F5-0BDA-5747-A0C9-260B236D4D2F}"/>
+          <p:cNvPr id="21" name="Group 20">
+            <a:extLst>
+              <a:ext uri="{FF2B5EF4-FFF2-40B4-BE49-F238E27FC236}">
+                <a16:creationId xmlns:a16="http://schemas.microsoft.com/office/drawing/2014/main" id="{A39730AB-1EF4-4308-B590-171F35000124}"/>
               </a:ext>
             </a:extLst>
           </p:cNvPr>
@@ -3361,10 +3361,10 @@
         </p:nvGrpSpPr>
         <p:grpSpPr>
           <a:xfrm>
-            <a:off x="5406306" y="1554726"/>
-            <a:ext cx="5489738" cy="2936759"/>
-            <a:chOff x="5410754" y="847099"/>
-            <a:chExt cx="5489738" cy="2936759"/>
+            <a:off x="1448101" y="1554726"/>
+            <a:ext cx="9447943" cy="2936759"/>
+            <a:chOff x="1448101" y="1554726"/>
+            <a:chExt cx="9447943" cy="2936759"/>
           </a:xfrm>
         </p:grpSpPr>
         <p:sp>
@@ -3381,7 +3381,7 @@
           </p:nvSpPr>
           <p:spPr>
             <a:xfrm>
-              <a:off x="9521104" y="3071916"/>
+              <a:off x="9516656" y="3779543"/>
               <a:ext cx="1379388" cy="711942"/>
             </a:xfrm>
             <a:prstGeom prst="rect">
@@ -3449,7 +3449,7 @@
           </p:nvSpPr>
           <p:spPr>
             <a:xfrm>
-              <a:off x="5410754" y="847099"/>
+              <a:off x="5406306" y="1554726"/>
               <a:ext cx="1379388" cy="711942"/>
             </a:xfrm>
             <a:prstGeom prst="rect">
@@ -3520,7 +3520,7 @@
           </p:nvCxnSpPr>
           <p:spPr>
             <a:xfrm>
-              <a:off x="6790142" y="1203070"/>
+              <a:off x="6785694" y="1910697"/>
               <a:ext cx="3420656" cy="1868846"/>
             </a:xfrm>
             <a:prstGeom prst="bentConnector2">
@@ -3548,231 +3548,238 @@
             </a:fontRef>
           </p:style>
         </p:cxnSp>
-      </p:grpSp>
-      <p:sp>
-        <p:nvSpPr>
-          <p:cNvPr id="14" name="Rectangle 13">
-            <a:extLst>
-              <a:ext uri="{FF2B5EF4-FFF2-40B4-BE49-F238E27FC236}">
-                <a16:creationId xmlns:a16="http://schemas.microsoft.com/office/drawing/2014/main" id="{2E88E6F7-B11A-4AFD-941D-9752D2EC6A40}"/>
-              </a:ext>
-            </a:extLst>
-          </p:cNvPr>
-          <p:cNvSpPr/>
-          <p:nvPr/>
-        </p:nvSpPr>
-        <p:spPr>
-          <a:xfrm>
-            <a:off x="5406306" y="3779543"/>
-            <a:ext cx="1379388" cy="711942"/>
-          </a:xfrm>
-          <a:prstGeom prst="rect">
-            <a:avLst/>
-          </a:prstGeom>
-          <a:solidFill>
-            <a:schemeClr val="accent5">
-              <a:lumMod val="60000"/>
-              <a:lumOff val="40000"/>
-            </a:schemeClr>
-          </a:solidFill>
-          <a:ln>
+        <p:sp>
+          <p:nvSpPr>
+            <p:cNvPr id="14" name="Rectangle 13">
+              <a:extLst>
+                <a:ext uri="{FF2B5EF4-FFF2-40B4-BE49-F238E27FC236}">
+                  <a16:creationId xmlns:a16="http://schemas.microsoft.com/office/drawing/2014/main" id="{2E88E6F7-B11A-4AFD-941D-9752D2EC6A40}"/>
+                </a:ext>
+              </a:extLst>
+            </p:cNvPr>
+            <p:cNvSpPr/>
+            <p:nvPr/>
+          </p:nvSpPr>
+          <p:spPr>
+            <a:xfrm>
+              <a:off x="5406306" y="3779543"/>
+              <a:ext cx="1379388" cy="711942"/>
+            </a:xfrm>
+            <a:prstGeom prst="rect">
+              <a:avLst/>
+            </a:prstGeom>
             <a:solidFill>
-              <a:schemeClr val="bg2">
-                <a:lumMod val="90000"/>
+              <a:schemeClr val="accent5">
+                <a:lumMod val="60000"/>
+                <a:lumOff val="40000"/>
               </a:schemeClr>
             </a:solidFill>
-          </a:ln>
-        </p:spPr>
-        <p:style>
-          <a:lnRef idx="2">
-            <a:schemeClr val="accent1">
-              <a:shade val="50000"/>
-            </a:schemeClr>
-          </a:lnRef>
-          <a:fillRef idx="1">
-            <a:schemeClr val="accent1"/>
-          </a:fillRef>
-          <a:effectRef idx="0">
-            <a:schemeClr val="accent1"/>
-          </a:effectRef>
-          <a:fontRef idx="minor">
-            <a:schemeClr val="lt1"/>
-          </a:fontRef>
-        </p:style>
-        <p:txBody>
-          <a:bodyPr rtlCol="0" anchor="ctr"/>
-          <a:lstStyle/>
-          <a:p>
-            <a:pPr algn="ctr"/>
-            <a:r>
-              <a:rPr lang="en-US" sz="1300" b="1" dirty="0">
+            <a:ln>
+              <a:solidFill>
+                <a:schemeClr val="bg2">
+                  <a:lumMod val="90000"/>
+                </a:schemeClr>
+              </a:solidFill>
+            </a:ln>
+          </p:spPr>
+          <p:style>
+            <a:lnRef idx="2">
+              <a:schemeClr val="accent1">
+                <a:shade val="50000"/>
+              </a:schemeClr>
+            </a:lnRef>
+            <a:fillRef idx="1">
+              <a:schemeClr val="accent1"/>
+            </a:fillRef>
+            <a:effectRef idx="0">
+              <a:schemeClr val="accent1"/>
+            </a:effectRef>
+            <a:fontRef idx="minor">
+              <a:schemeClr val="lt1"/>
+            </a:fontRef>
+          </p:style>
+          <p:txBody>
+            <a:bodyPr rtlCol="0" anchor="ctr"/>
+            <a:lstStyle/>
+            <a:p>
+              <a:pPr algn="ctr"/>
+              <a:r>
+                <a:rPr lang="en-US" sz="1300" b="1" dirty="0">
+                  <a:solidFill>
+                    <a:schemeClr val="tx1"/>
+                  </a:solidFill>
+                  <a:latin typeface="Arial"/>
+                  <a:cs typeface="Calibri"/>
+                </a:rPr>
+                <a:t>Command</a:t>
+              </a:r>
+            </a:p>
+          </p:txBody>
+        </p:sp>
+        <p:sp>
+          <p:nvSpPr>
+            <p:cNvPr id="15" name="Rectangle 14">
+              <a:extLst>
+                <a:ext uri="{FF2B5EF4-FFF2-40B4-BE49-F238E27FC236}">
+                  <a16:creationId xmlns:a16="http://schemas.microsoft.com/office/drawing/2014/main" id="{DD38A2DE-AF83-46B5-9168-9473E10E142F}"/>
+                </a:ext>
+              </a:extLst>
+            </p:cNvPr>
+            <p:cNvSpPr/>
+            <p:nvPr/>
+          </p:nvSpPr>
+          <p:spPr>
+            <a:xfrm>
+              <a:off x="1448101" y="3779543"/>
+              <a:ext cx="1379388" cy="711942"/>
+            </a:xfrm>
+            <a:prstGeom prst="rect">
+              <a:avLst/>
+            </a:prstGeom>
+            <a:solidFill>
+              <a:schemeClr val="accent5">
+                <a:lumMod val="60000"/>
+                <a:lumOff val="40000"/>
+              </a:schemeClr>
+            </a:solidFill>
+            <a:ln>
+              <a:solidFill>
+                <a:schemeClr val="bg2">
+                  <a:lumMod val="90000"/>
+                </a:schemeClr>
+              </a:solidFill>
+            </a:ln>
+          </p:spPr>
+          <p:style>
+            <a:lnRef idx="2">
+              <a:schemeClr val="accent1">
+                <a:shade val="50000"/>
+              </a:schemeClr>
+            </a:lnRef>
+            <a:fillRef idx="1">
+              <a:schemeClr val="accent1"/>
+            </a:fillRef>
+            <a:effectRef idx="0">
+              <a:schemeClr val="accent1"/>
+            </a:effectRef>
+            <a:fontRef idx="minor">
+              <a:schemeClr val="lt1"/>
+            </a:fontRef>
+          </p:style>
+          <p:txBody>
+            <a:bodyPr rtlCol="0" anchor="ctr"/>
+            <a:lstStyle/>
+            <a:p>
+              <a:pPr algn="ctr"/>
+              <a:r>
+                <a:rPr lang="en-US" sz="1300" b="1">
+                  <a:solidFill>
+                    <a:schemeClr val="tx1"/>
+                  </a:solidFill>
+                  <a:latin typeface="Arial"/>
+                  <a:cs typeface="Calibri"/>
+                </a:rPr>
+                <a:t>Parser</a:t>
+              </a:r>
+              <a:endParaRPr lang="en-US" sz="1300" b="1" dirty="0">
                 <a:solidFill>
                   <a:schemeClr val="tx1"/>
                 </a:solidFill>
                 <a:latin typeface="Arial"/>
                 <a:cs typeface="Calibri"/>
-              </a:rPr>
-              <a:t>Command</a:t>
-            </a:r>
-          </a:p>
-        </p:txBody>
-      </p:sp>
-      <p:sp>
-        <p:nvSpPr>
-          <p:cNvPr id="15" name="Rectangle 14">
-            <a:extLst>
-              <a:ext uri="{FF2B5EF4-FFF2-40B4-BE49-F238E27FC236}">
-                <a16:creationId xmlns:a16="http://schemas.microsoft.com/office/drawing/2014/main" id="{DD38A2DE-AF83-46B5-9168-9473E10E142F}"/>
-              </a:ext>
-            </a:extLst>
-          </p:cNvPr>
-          <p:cNvSpPr/>
-          <p:nvPr/>
-        </p:nvSpPr>
-        <p:spPr>
-          <a:xfrm>
-            <a:off x="1448101" y="3779543"/>
-            <a:ext cx="1379388" cy="711942"/>
-          </a:xfrm>
-          <a:prstGeom prst="rect">
-            <a:avLst/>
-          </a:prstGeom>
-          <a:solidFill>
-            <a:schemeClr val="accent5">
-              <a:lumMod val="60000"/>
-              <a:lumOff val="40000"/>
-            </a:schemeClr>
-          </a:solidFill>
-          <a:ln>
-            <a:solidFill>
-              <a:schemeClr val="bg2">
-                <a:lumMod val="90000"/>
-              </a:schemeClr>
-            </a:solidFill>
-          </a:ln>
-        </p:spPr>
-        <p:style>
-          <a:lnRef idx="2">
-            <a:schemeClr val="accent1">
-              <a:shade val="50000"/>
-            </a:schemeClr>
-          </a:lnRef>
-          <a:fillRef idx="1">
-            <a:schemeClr val="accent1"/>
-          </a:fillRef>
-          <a:effectRef idx="0">
-            <a:schemeClr val="accent1"/>
-          </a:effectRef>
-          <a:fontRef idx="minor">
-            <a:schemeClr val="lt1"/>
-          </a:fontRef>
-        </p:style>
-        <p:txBody>
-          <a:bodyPr rtlCol="0" anchor="ctr"/>
-          <a:lstStyle/>
-          <a:p>
-            <a:pPr algn="ctr"/>
-            <a:r>
-              <a:rPr lang="en-US" sz="1300" b="1" dirty="0">
-                <a:solidFill>
-                  <a:schemeClr val="tx1"/>
-                </a:solidFill>
-                <a:latin typeface="Arial"/>
-                <a:cs typeface="Calibri"/>
-              </a:rPr>
-              <a:t>Model</a:t>
-            </a:r>
-          </a:p>
-        </p:txBody>
-      </p:sp>
-      <p:cxnSp>
-        <p:nvCxnSpPr>
-          <p:cNvPr id="16" name="Straight Arrow Connector 15">
-            <a:extLst>
-              <a:ext uri="{FF2B5EF4-FFF2-40B4-BE49-F238E27FC236}">
-                <a16:creationId xmlns:a16="http://schemas.microsoft.com/office/drawing/2014/main" id="{E9A4C38D-C522-43A8-891D-E37EC3690AF2}"/>
-              </a:ext>
-            </a:extLst>
-          </p:cNvPr>
-          <p:cNvCxnSpPr>
-            <a:stCxn id="9" idx="2"/>
-            <a:endCxn id="14" idx="0"/>
-          </p:cNvCxnSpPr>
-          <p:nvPr/>
-        </p:nvCxnSpPr>
-        <p:spPr>
-          <a:xfrm>
-            <a:off x="6096000" y="2266668"/>
-            <a:ext cx="0" cy="1512875"/>
-          </a:xfrm>
-          <a:prstGeom prst="straightConnector1">
-            <a:avLst/>
-          </a:prstGeom>
-          <a:ln>
-            <a:tailEnd type="triangle"/>
-          </a:ln>
-        </p:spPr>
-        <p:style>
-          <a:lnRef idx="1">
-            <a:schemeClr val="dk1"/>
-          </a:lnRef>
-          <a:fillRef idx="0">
-            <a:schemeClr val="dk1"/>
-          </a:fillRef>
-          <a:effectRef idx="0">
-            <a:schemeClr val="dk1"/>
-          </a:effectRef>
-          <a:fontRef idx="minor">
-            <a:schemeClr val="tx1"/>
-          </a:fontRef>
-        </p:style>
-      </p:cxnSp>
-      <p:cxnSp>
-        <p:nvCxnSpPr>
-          <p:cNvPr id="18" name="Elbow Connector 11">
-            <a:extLst>
-              <a:ext uri="{FF2B5EF4-FFF2-40B4-BE49-F238E27FC236}">
-                <a16:creationId xmlns:a16="http://schemas.microsoft.com/office/drawing/2014/main" id="{D0E9347E-8312-4724-B78E-CB17F881B144}"/>
-              </a:ext>
-            </a:extLst>
-          </p:cNvPr>
-          <p:cNvCxnSpPr>
-            <a:cxnSpLocks/>
-            <a:stCxn id="9" idx="1"/>
-            <a:endCxn id="15" idx="0"/>
-          </p:cNvCxnSpPr>
-          <p:nvPr/>
-        </p:nvCxnSpPr>
-        <p:spPr>
-          <a:xfrm rot="10800000" flipV="1">
-            <a:off x="2137796" y="1910697"/>
-            <a:ext cx="3268511" cy="1868846"/>
-          </a:xfrm>
-          <a:prstGeom prst="bentConnector2">
-            <a:avLst/>
-          </a:prstGeom>
-          <a:ln>
-            <a:solidFill>
+              </a:endParaRPr>
+            </a:p>
+          </p:txBody>
+        </p:sp>
+        <p:cxnSp>
+          <p:nvCxnSpPr>
+            <p:cNvPr id="16" name="Straight Arrow Connector 15">
+              <a:extLst>
+                <a:ext uri="{FF2B5EF4-FFF2-40B4-BE49-F238E27FC236}">
+                  <a16:creationId xmlns:a16="http://schemas.microsoft.com/office/drawing/2014/main" id="{E9A4C38D-C522-43A8-891D-E37EC3690AF2}"/>
+                </a:ext>
+              </a:extLst>
+            </p:cNvPr>
+            <p:cNvCxnSpPr>
+              <a:stCxn id="9" idx="2"/>
+              <a:endCxn id="14" idx="0"/>
+            </p:cNvCxnSpPr>
+            <p:nvPr/>
+          </p:nvCxnSpPr>
+          <p:spPr>
+            <a:xfrm>
+              <a:off x="6096000" y="2266668"/>
+              <a:ext cx="0" cy="1512875"/>
+            </a:xfrm>
+            <a:prstGeom prst="straightConnector1">
+              <a:avLst/>
+            </a:prstGeom>
+            <a:ln>
+              <a:tailEnd type="triangle"/>
+            </a:ln>
+          </p:spPr>
+          <p:style>
+            <a:lnRef idx="1">
+              <a:schemeClr val="dk1"/>
+            </a:lnRef>
+            <a:fillRef idx="0">
+              <a:schemeClr val="dk1"/>
+            </a:fillRef>
+            <a:effectRef idx="0">
+              <a:schemeClr val="dk1"/>
+            </a:effectRef>
+            <a:fontRef idx="minor">
               <a:schemeClr val="tx1"/>
-            </a:solidFill>
-            <a:tailEnd type="triangle"/>
-          </a:ln>
-        </p:spPr>
-        <p:style>
-          <a:lnRef idx="1">
-            <a:schemeClr val="accent1"/>
-          </a:lnRef>
-          <a:fillRef idx="0">
-            <a:schemeClr val="accent1"/>
-          </a:fillRef>
-          <a:effectRef idx="0">
-            <a:schemeClr val="accent1"/>
-          </a:effectRef>
-          <a:fontRef idx="minor">
-            <a:schemeClr val="tx1"/>
-          </a:fontRef>
-        </p:style>
-      </p:cxnSp>
+            </a:fontRef>
+          </p:style>
+        </p:cxnSp>
+        <p:cxnSp>
+          <p:nvCxnSpPr>
+            <p:cNvPr id="18" name="Elbow Connector 11">
+              <a:extLst>
+                <a:ext uri="{FF2B5EF4-FFF2-40B4-BE49-F238E27FC236}">
+                  <a16:creationId xmlns:a16="http://schemas.microsoft.com/office/drawing/2014/main" id="{D0E9347E-8312-4724-B78E-CB17F881B144}"/>
+                </a:ext>
+              </a:extLst>
+            </p:cNvPr>
+            <p:cNvCxnSpPr>
+              <a:cxnSpLocks/>
+              <a:stCxn id="9" idx="1"/>
+              <a:endCxn id="15" idx="0"/>
+            </p:cNvCxnSpPr>
+            <p:nvPr/>
+          </p:nvCxnSpPr>
+          <p:spPr>
+            <a:xfrm rot="10800000" flipV="1">
+              <a:off x="2137796" y="1910697"/>
+              <a:ext cx="3268511" cy="1868846"/>
+            </a:xfrm>
+            <a:prstGeom prst="bentConnector2">
+              <a:avLst/>
+            </a:prstGeom>
+            <a:ln>
+              <a:solidFill>
+                <a:schemeClr val="tx1"/>
+              </a:solidFill>
+              <a:tailEnd type="triangle"/>
+            </a:ln>
+          </p:spPr>
+          <p:style>
+            <a:lnRef idx="1">
+              <a:schemeClr val="accent1"/>
+            </a:lnRef>
+            <a:fillRef idx="0">
+              <a:schemeClr val="accent1"/>
+            </a:fillRef>
+            <a:effectRef idx="0">
+              <a:schemeClr val="accent1"/>
+            </a:effectRef>
+            <a:fontRef idx="minor">
+              <a:schemeClr val="tx1"/>
+            </a:fontRef>
+          </p:style>
+        </p:cxnSp>
+      </p:grpSp>
     </p:spTree>
     <p:extLst>
       <p:ext uri="{BB962C8B-B14F-4D97-AF65-F5344CB8AC3E}">

--- a/docs/diagrams/HighLevelLogic.pptx
+++ b/docs/diagrams/HighLevelLogic.pptx
@@ -261,7 +261,7 @@
           <a:p>
             <a:fld id="{8E48A44F-7FCA-E248-9F13-647A0016D148}" type="datetimeFigureOut">
               <a:rPr lang="en-US" smtClean="0"/>
-              <a:t>10/22/2019</a:t>
+              <a:t>10/31/19</a:t>
             </a:fld>
             <a:endParaRPr lang="en-US"/>
           </a:p>
@@ -461,7 +461,7 @@
           <a:p>
             <a:fld id="{8E48A44F-7FCA-E248-9F13-647A0016D148}" type="datetimeFigureOut">
               <a:rPr lang="en-US" smtClean="0"/>
-              <a:t>10/22/2019</a:t>
+              <a:t>10/31/19</a:t>
             </a:fld>
             <a:endParaRPr lang="en-US"/>
           </a:p>
@@ -671,7 +671,7 @@
           <a:p>
             <a:fld id="{8E48A44F-7FCA-E248-9F13-647A0016D148}" type="datetimeFigureOut">
               <a:rPr lang="en-US" smtClean="0"/>
-              <a:t>10/22/2019</a:t>
+              <a:t>10/31/19</a:t>
             </a:fld>
             <a:endParaRPr lang="en-US"/>
           </a:p>
@@ -871,7 +871,7 @@
           <a:p>
             <a:fld id="{8E48A44F-7FCA-E248-9F13-647A0016D148}" type="datetimeFigureOut">
               <a:rPr lang="en-US" smtClean="0"/>
-              <a:t>10/22/2019</a:t>
+              <a:t>10/31/19</a:t>
             </a:fld>
             <a:endParaRPr lang="en-US"/>
           </a:p>
@@ -1147,7 +1147,7 @@
           <a:p>
             <a:fld id="{8E48A44F-7FCA-E248-9F13-647A0016D148}" type="datetimeFigureOut">
               <a:rPr lang="en-US" smtClean="0"/>
-              <a:t>10/22/2019</a:t>
+              <a:t>10/31/19</a:t>
             </a:fld>
             <a:endParaRPr lang="en-US"/>
           </a:p>
@@ -1415,7 +1415,7 @@
           <a:p>
             <a:fld id="{8E48A44F-7FCA-E248-9F13-647A0016D148}" type="datetimeFigureOut">
               <a:rPr lang="en-US" smtClean="0"/>
-              <a:t>10/22/2019</a:t>
+              <a:t>10/31/19</a:t>
             </a:fld>
             <a:endParaRPr lang="en-US"/>
           </a:p>
@@ -1830,7 +1830,7 @@
           <a:p>
             <a:fld id="{8E48A44F-7FCA-E248-9F13-647A0016D148}" type="datetimeFigureOut">
               <a:rPr lang="en-US" smtClean="0"/>
-              <a:t>10/22/2019</a:t>
+              <a:t>10/31/19</a:t>
             </a:fld>
             <a:endParaRPr lang="en-US"/>
           </a:p>
@@ -1972,7 +1972,7 @@
           <a:p>
             <a:fld id="{8E48A44F-7FCA-E248-9F13-647A0016D148}" type="datetimeFigureOut">
               <a:rPr lang="en-US" smtClean="0"/>
-              <a:t>10/22/2019</a:t>
+              <a:t>10/31/19</a:t>
             </a:fld>
             <a:endParaRPr lang="en-US"/>
           </a:p>
@@ -2085,7 +2085,7 @@
           <a:p>
             <a:fld id="{8E48A44F-7FCA-E248-9F13-647A0016D148}" type="datetimeFigureOut">
               <a:rPr lang="en-US" smtClean="0"/>
-              <a:t>10/22/2019</a:t>
+              <a:t>10/31/19</a:t>
             </a:fld>
             <a:endParaRPr lang="en-US"/>
           </a:p>
@@ -2398,7 +2398,7 @@
           <a:p>
             <a:fld id="{8E48A44F-7FCA-E248-9F13-647A0016D148}" type="datetimeFigureOut">
               <a:rPr lang="en-US" smtClean="0"/>
-              <a:t>10/22/2019</a:t>
+              <a:t>10/31/19</a:t>
             </a:fld>
             <a:endParaRPr lang="en-US"/>
           </a:p>
@@ -2687,7 +2687,7 @@
           <a:p>
             <a:fld id="{8E48A44F-7FCA-E248-9F13-647A0016D148}" type="datetimeFigureOut">
               <a:rPr lang="en-US" smtClean="0"/>
-              <a:t>10/22/2019</a:t>
+              <a:t>10/31/19</a:t>
             </a:fld>
             <a:endParaRPr lang="en-US"/>
           </a:p>
@@ -2930,7 +2930,7 @@
           <a:p>
             <a:fld id="{8E48A44F-7FCA-E248-9F13-647A0016D148}" type="datetimeFigureOut">
               <a:rPr lang="en-US" smtClean="0"/>
-              <a:t>10/22/2019</a:t>
+              <a:t>10/31/19</a:t>
             </a:fld>
             <a:endParaRPr lang="en-US"/>
           </a:p>
@@ -3349,10 +3349,10 @@
       </p:grpSpPr>
       <p:grpSp>
         <p:nvGrpSpPr>
-          <p:cNvPr id="21" name="Group 20">
-            <a:extLst>
-              <a:ext uri="{FF2B5EF4-FFF2-40B4-BE49-F238E27FC236}">
-                <a16:creationId xmlns:a16="http://schemas.microsoft.com/office/drawing/2014/main" id="{A39730AB-1EF4-4308-B590-171F35000124}"/>
+          <p:cNvPr id="4" name="Group 3">
+            <a:extLst>
+              <a:ext uri="{FF2B5EF4-FFF2-40B4-BE49-F238E27FC236}">
+                <a16:creationId xmlns:a16="http://schemas.microsoft.com/office/drawing/2014/main" id="{30800780-668D-8748-B216-B083E43AF99F}"/>
               </a:ext>
             </a:extLst>
           </p:cNvPr>
@@ -3367,394 +3367,460 @@
             <a:chExt cx="9447943" cy="2936759"/>
           </a:xfrm>
         </p:grpSpPr>
-        <p:sp>
-          <p:nvSpPr>
-            <p:cNvPr id="7" name="Rectangle 6">
+        <p:grpSp>
+          <p:nvGrpSpPr>
+            <p:cNvPr id="21" name="Group 20">
               <a:extLst>
                 <a:ext uri="{FF2B5EF4-FFF2-40B4-BE49-F238E27FC236}">
-                  <a16:creationId xmlns:a16="http://schemas.microsoft.com/office/drawing/2014/main" id="{DDF37676-A619-7342-BDB2-25339B7D805A}"/>
+                  <a16:creationId xmlns:a16="http://schemas.microsoft.com/office/drawing/2014/main" id="{A39730AB-1EF4-4308-B590-171F35000124}"/>
                 </a:ext>
               </a:extLst>
             </p:cNvPr>
-            <p:cNvSpPr/>
+            <p:cNvGrpSpPr/>
             <p:nvPr/>
-          </p:nvSpPr>
-          <p:spPr>
+          </p:nvGrpSpPr>
+          <p:grpSpPr>
             <a:xfrm>
-              <a:off x="9516656" y="3779543"/>
-              <a:ext cx="1379388" cy="711942"/>
+              <a:off x="1448101" y="1554726"/>
+              <a:ext cx="9447943" cy="2936759"/>
+              <a:chOff x="1448101" y="1554726"/>
+              <a:chExt cx="9447943" cy="2936759"/>
             </a:xfrm>
-            <a:prstGeom prst="rect">
-              <a:avLst/>
-            </a:prstGeom>
-            <a:solidFill>
-              <a:schemeClr val="accent5">
-                <a:lumMod val="60000"/>
-                <a:lumOff val="40000"/>
-              </a:schemeClr>
-            </a:solidFill>
-            <a:ln>
+          </p:grpSpPr>
+          <p:sp>
+            <p:nvSpPr>
+              <p:cNvPr id="7" name="Rectangle 6">
+                <a:extLst>
+                  <a:ext uri="{FF2B5EF4-FFF2-40B4-BE49-F238E27FC236}">
+                    <a16:creationId xmlns:a16="http://schemas.microsoft.com/office/drawing/2014/main" id="{DDF37676-A619-7342-BDB2-25339B7D805A}"/>
+                  </a:ext>
+                </a:extLst>
+              </p:cNvPr>
+              <p:cNvSpPr/>
+              <p:nvPr/>
+            </p:nvSpPr>
+            <p:spPr>
+              <a:xfrm>
+                <a:off x="9516656" y="3779543"/>
+                <a:ext cx="1379388" cy="711942"/>
+              </a:xfrm>
+              <a:prstGeom prst="rect">
+                <a:avLst/>
+              </a:prstGeom>
               <a:solidFill>
-                <a:schemeClr val="bg2">
-                  <a:lumMod val="90000"/>
+                <a:schemeClr val="accent5">
+                  <a:lumMod val="60000"/>
+                  <a:lumOff val="40000"/>
                 </a:schemeClr>
               </a:solidFill>
-            </a:ln>
-          </p:spPr>
-          <p:style>
-            <a:lnRef idx="2">
-              <a:schemeClr val="accent1">
-                <a:shade val="50000"/>
-              </a:schemeClr>
-            </a:lnRef>
-            <a:fillRef idx="1">
-              <a:schemeClr val="accent1"/>
-            </a:fillRef>
-            <a:effectRef idx="0">
-              <a:schemeClr val="accent1"/>
-            </a:effectRef>
-            <a:fontRef idx="minor">
-              <a:schemeClr val="lt1"/>
-            </a:fontRef>
-          </p:style>
-          <p:txBody>
-            <a:bodyPr rtlCol="0" anchor="ctr"/>
-            <a:lstStyle/>
-            <a:p>
-              <a:pPr algn="ctr"/>
-              <a:r>
-                <a:rPr lang="en-US" sz="1300" b="1" dirty="0">
+              <a:ln>
+                <a:solidFill>
+                  <a:schemeClr val="bg2">
+                    <a:lumMod val="90000"/>
+                  </a:schemeClr>
+                </a:solidFill>
+              </a:ln>
+            </p:spPr>
+            <p:style>
+              <a:lnRef idx="2">
+                <a:schemeClr val="accent1">
+                  <a:shade val="50000"/>
+                </a:schemeClr>
+              </a:lnRef>
+              <a:fillRef idx="1">
+                <a:schemeClr val="accent1"/>
+              </a:fillRef>
+              <a:effectRef idx="0">
+                <a:schemeClr val="accent1"/>
+              </a:effectRef>
+              <a:fontRef idx="minor">
+                <a:schemeClr val="lt1"/>
+              </a:fontRef>
+            </p:style>
+            <p:txBody>
+              <a:bodyPr rtlCol="0" anchor="ctr"/>
+              <a:lstStyle/>
+              <a:p>
+                <a:pPr algn="ctr"/>
+                <a:r>
+                  <a:rPr lang="en-US" sz="1300" b="1" dirty="0">
+                    <a:solidFill>
+                      <a:schemeClr val="tx1"/>
+                    </a:solidFill>
+                    <a:latin typeface="Arial"/>
+                    <a:cs typeface="Calibri"/>
+                  </a:rPr>
+                  <a:t>Regex</a:t>
+                </a:r>
+              </a:p>
+            </p:txBody>
+          </p:sp>
+          <p:sp>
+            <p:nvSpPr>
+              <p:cNvPr id="9" name="Rectangle 8">
+                <a:extLst>
+                  <a:ext uri="{FF2B5EF4-FFF2-40B4-BE49-F238E27FC236}">
+                    <a16:creationId xmlns:a16="http://schemas.microsoft.com/office/drawing/2014/main" id="{02E60039-B4A1-D347-8EA9-7EE4F178666E}"/>
+                  </a:ext>
+                </a:extLst>
+              </p:cNvPr>
+              <p:cNvSpPr/>
+              <p:nvPr/>
+            </p:nvSpPr>
+            <p:spPr>
+              <a:xfrm>
+                <a:off x="5406306" y="1554726"/>
+                <a:ext cx="1379388" cy="711942"/>
+              </a:xfrm>
+              <a:prstGeom prst="rect">
+                <a:avLst/>
+              </a:prstGeom>
+              <a:solidFill>
+                <a:schemeClr val="tx2">
+                  <a:lumMod val="60000"/>
+                  <a:lumOff val="40000"/>
+                </a:schemeClr>
+              </a:solidFill>
+              <a:ln>
+                <a:solidFill>
+                  <a:schemeClr val="bg2">
+                    <a:lumMod val="90000"/>
+                  </a:schemeClr>
+                </a:solidFill>
+              </a:ln>
+            </p:spPr>
+            <p:style>
+              <a:lnRef idx="2">
+                <a:schemeClr val="accent1">
+                  <a:shade val="50000"/>
+                </a:schemeClr>
+              </a:lnRef>
+              <a:fillRef idx="1">
+                <a:schemeClr val="accent1"/>
+              </a:fillRef>
+              <a:effectRef idx="0">
+                <a:schemeClr val="accent1"/>
+              </a:effectRef>
+              <a:fontRef idx="minor">
+                <a:schemeClr val="lt1"/>
+              </a:fontRef>
+            </p:style>
+            <p:txBody>
+              <a:bodyPr rtlCol="0" anchor="ctr"/>
+              <a:lstStyle/>
+              <a:p>
+                <a:pPr algn="ctr"/>
+                <a:r>
+                  <a:rPr lang="en-US" sz="1300" b="1">
+                    <a:solidFill>
+                      <a:schemeClr val="tx1"/>
+                    </a:solidFill>
+                    <a:latin typeface="Arial"/>
+                    <a:cs typeface="Calibri"/>
+                  </a:rPr>
+                  <a:t>Logic</a:t>
+                </a:r>
+              </a:p>
+            </p:txBody>
+          </p:sp>
+          <p:cxnSp>
+            <p:nvCxnSpPr>
+              <p:cNvPr id="12" name="Elbow Connector 11">
+                <a:extLst>
+                  <a:ext uri="{FF2B5EF4-FFF2-40B4-BE49-F238E27FC236}">
+                    <a16:creationId xmlns:a16="http://schemas.microsoft.com/office/drawing/2014/main" id="{CEB4127B-D79B-BA4A-9F89-354DD416B999}"/>
+                  </a:ext>
+                </a:extLst>
+              </p:cNvPr>
+              <p:cNvCxnSpPr>
+                <a:stCxn id="9" idx="3"/>
+                <a:endCxn id="7" idx="0"/>
+              </p:cNvCxnSpPr>
+              <p:nvPr/>
+            </p:nvCxnSpPr>
+            <p:spPr>
+              <a:xfrm>
+                <a:off x="6785694" y="1910697"/>
+                <a:ext cx="3420656" cy="1868846"/>
+              </a:xfrm>
+              <a:prstGeom prst="bentConnector2">
+                <a:avLst/>
+              </a:prstGeom>
+              <a:ln>
+                <a:solidFill>
+                  <a:schemeClr val="tx1"/>
+                </a:solidFill>
+                <a:tailEnd type="triangle"/>
+              </a:ln>
+            </p:spPr>
+            <p:style>
+              <a:lnRef idx="1">
+                <a:schemeClr val="accent1"/>
+              </a:lnRef>
+              <a:fillRef idx="0">
+                <a:schemeClr val="accent1"/>
+              </a:fillRef>
+              <a:effectRef idx="0">
+                <a:schemeClr val="accent1"/>
+              </a:effectRef>
+              <a:fontRef idx="minor">
+                <a:schemeClr val="tx1"/>
+              </a:fontRef>
+            </p:style>
+          </p:cxnSp>
+          <p:sp>
+            <p:nvSpPr>
+              <p:cNvPr id="14" name="Rectangle 13">
+                <a:extLst>
+                  <a:ext uri="{FF2B5EF4-FFF2-40B4-BE49-F238E27FC236}">
+                    <a16:creationId xmlns:a16="http://schemas.microsoft.com/office/drawing/2014/main" id="{2E88E6F7-B11A-4AFD-941D-9752D2EC6A40}"/>
+                  </a:ext>
+                </a:extLst>
+              </p:cNvPr>
+              <p:cNvSpPr/>
+              <p:nvPr/>
+            </p:nvSpPr>
+            <p:spPr>
+              <a:xfrm>
+                <a:off x="5406306" y="3779543"/>
+                <a:ext cx="1379388" cy="711942"/>
+              </a:xfrm>
+              <a:prstGeom prst="rect">
+                <a:avLst/>
+              </a:prstGeom>
+              <a:solidFill>
+                <a:schemeClr val="accent5">
+                  <a:lumMod val="60000"/>
+                  <a:lumOff val="40000"/>
+                </a:schemeClr>
+              </a:solidFill>
+              <a:ln>
+                <a:solidFill>
+                  <a:schemeClr val="bg2">
+                    <a:lumMod val="90000"/>
+                  </a:schemeClr>
+                </a:solidFill>
+              </a:ln>
+            </p:spPr>
+            <p:style>
+              <a:lnRef idx="2">
+                <a:schemeClr val="accent1">
+                  <a:shade val="50000"/>
+                </a:schemeClr>
+              </a:lnRef>
+              <a:fillRef idx="1">
+                <a:schemeClr val="accent1"/>
+              </a:fillRef>
+              <a:effectRef idx="0">
+                <a:schemeClr val="accent1"/>
+              </a:effectRef>
+              <a:fontRef idx="minor">
+                <a:schemeClr val="lt1"/>
+              </a:fontRef>
+            </p:style>
+            <p:txBody>
+              <a:bodyPr rtlCol="0" anchor="ctr"/>
+              <a:lstStyle/>
+              <a:p>
+                <a:pPr algn="ctr"/>
+                <a:r>
+                  <a:rPr lang="en-US" sz="1300" b="1" dirty="0">
+                    <a:solidFill>
+                      <a:schemeClr val="tx1"/>
+                    </a:solidFill>
+                    <a:latin typeface="Arial"/>
+                    <a:cs typeface="Calibri"/>
+                  </a:rPr>
+                  <a:t>Command</a:t>
+                </a:r>
+              </a:p>
+            </p:txBody>
+          </p:sp>
+          <p:sp>
+            <p:nvSpPr>
+              <p:cNvPr id="15" name="Rectangle 14">
+                <a:extLst>
+                  <a:ext uri="{FF2B5EF4-FFF2-40B4-BE49-F238E27FC236}">
+                    <a16:creationId xmlns:a16="http://schemas.microsoft.com/office/drawing/2014/main" id="{DD38A2DE-AF83-46B5-9168-9473E10E142F}"/>
+                  </a:ext>
+                </a:extLst>
+              </p:cNvPr>
+              <p:cNvSpPr/>
+              <p:nvPr/>
+            </p:nvSpPr>
+            <p:spPr>
+              <a:xfrm>
+                <a:off x="1448101" y="3779543"/>
+                <a:ext cx="1379388" cy="711942"/>
+              </a:xfrm>
+              <a:prstGeom prst="rect">
+                <a:avLst/>
+              </a:prstGeom>
+              <a:solidFill>
+                <a:schemeClr val="accent5">
+                  <a:lumMod val="60000"/>
+                  <a:lumOff val="40000"/>
+                </a:schemeClr>
+              </a:solidFill>
+              <a:ln>
+                <a:solidFill>
+                  <a:schemeClr val="bg2">
+                    <a:lumMod val="90000"/>
+                  </a:schemeClr>
+                </a:solidFill>
+              </a:ln>
+            </p:spPr>
+            <p:style>
+              <a:lnRef idx="2">
+                <a:schemeClr val="accent1">
+                  <a:shade val="50000"/>
+                </a:schemeClr>
+              </a:lnRef>
+              <a:fillRef idx="1">
+                <a:schemeClr val="accent1"/>
+              </a:fillRef>
+              <a:effectRef idx="0">
+                <a:schemeClr val="accent1"/>
+              </a:effectRef>
+              <a:fontRef idx="minor">
+                <a:schemeClr val="lt1"/>
+              </a:fontRef>
+            </p:style>
+            <p:txBody>
+              <a:bodyPr rtlCol="0" anchor="ctr"/>
+              <a:lstStyle/>
+              <a:p>
+                <a:pPr algn="ctr"/>
+                <a:r>
+                  <a:rPr lang="en-US" sz="1300" b="1">
+                    <a:solidFill>
+                      <a:schemeClr val="tx1"/>
+                    </a:solidFill>
+                    <a:latin typeface="Arial"/>
+                    <a:cs typeface="Calibri"/>
+                  </a:rPr>
+                  <a:t>Parser</a:t>
+                </a:r>
+                <a:endParaRPr lang="en-US" sz="1300" b="1" dirty="0">
                   <a:solidFill>
                     <a:schemeClr val="tx1"/>
                   </a:solidFill>
                   <a:latin typeface="Arial"/>
                   <a:cs typeface="Calibri"/>
-                </a:rPr>
-                <a:t>Regex</a:t>
-              </a:r>
-            </a:p>
-          </p:txBody>
-        </p:sp>
-        <p:sp>
-          <p:nvSpPr>
-            <p:cNvPr id="9" name="Rectangle 8">
+                </a:endParaRPr>
+              </a:p>
+            </p:txBody>
+          </p:sp>
+          <p:cxnSp>
+            <p:nvCxnSpPr>
+              <p:cNvPr id="16" name="Straight Arrow Connector 15">
+                <a:extLst>
+                  <a:ext uri="{FF2B5EF4-FFF2-40B4-BE49-F238E27FC236}">
+                    <a16:creationId xmlns:a16="http://schemas.microsoft.com/office/drawing/2014/main" id="{E9A4C38D-C522-43A8-891D-E37EC3690AF2}"/>
+                  </a:ext>
+                </a:extLst>
+              </p:cNvPr>
+              <p:cNvCxnSpPr>
+                <a:stCxn id="9" idx="2"/>
+                <a:endCxn id="14" idx="0"/>
+              </p:cNvCxnSpPr>
+              <p:nvPr/>
+            </p:nvCxnSpPr>
+            <p:spPr>
+              <a:xfrm>
+                <a:off x="6096000" y="2266668"/>
+                <a:ext cx="0" cy="1512875"/>
+              </a:xfrm>
+              <a:prstGeom prst="straightConnector1">
+                <a:avLst/>
+              </a:prstGeom>
+              <a:ln>
+                <a:tailEnd type="triangle"/>
+              </a:ln>
+            </p:spPr>
+            <p:style>
+              <a:lnRef idx="1">
+                <a:schemeClr val="dk1"/>
+              </a:lnRef>
+              <a:fillRef idx="0">
+                <a:schemeClr val="dk1"/>
+              </a:fillRef>
+              <a:effectRef idx="0">
+                <a:schemeClr val="dk1"/>
+              </a:effectRef>
+              <a:fontRef idx="minor">
+                <a:schemeClr val="tx1"/>
+              </a:fontRef>
+            </p:style>
+          </p:cxnSp>
+          <p:cxnSp>
+            <p:nvCxnSpPr>
+              <p:cNvPr id="18" name="Elbow Connector 11">
+                <a:extLst>
+                  <a:ext uri="{FF2B5EF4-FFF2-40B4-BE49-F238E27FC236}">
+                    <a16:creationId xmlns:a16="http://schemas.microsoft.com/office/drawing/2014/main" id="{D0E9347E-8312-4724-B78E-CB17F881B144}"/>
+                  </a:ext>
+                </a:extLst>
+              </p:cNvPr>
+              <p:cNvCxnSpPr>
+                <a:cxnSpLocks/>
+                <a:stCxn id="9" idx="1"/>
+                <a:endCxn id="15" idx="0"/>
+              </p:cNvCxnSpPr>
+              <p:nvPr/>
+            </p:nvCxnSpPr>
+            <p:spPr>
+              <a:xfrm rot="10800000" flipV="1">
+                <a:off x="2137796" y="1910697"/>
+                <a:ext cx="3268511" cy="1868846"/>
+              </a:xfrm>
+              <a:prstGeom prst="bentConnector2">
+                <a:avLst/>
+              </a:prstGeom>
+              <a:ln>
+                <a:solidFill>
+                  <a:schemeClr val="tx1"/>
+                </a:solidFill>
+                <a:tailEnd type="triangle"/>
+              </a:ln>
+            </p:spPr>
+            <p:style>
+              <a:lnRef idx="1">
+                <a:schemeClr val="accent1"/>
+              </a:lnRef>
+              <a:fillRef idx="0">
+                <a:schemeClr val="accent1"/>
+              </a:fillRef>
+              <a:effectRef idx="0">
+                <a:schemeClr val="accent1"/>
+              </a:effectRef>
+              <a:fontRef idx="minor">
+                <a:schemeClr val="tx1"/>
+              </a:fontRef>
+            </p:style>
+          </p:cxnSp>
+        </p:grpSp>
+        <p:cxnSp>
+          <p:nvCxnSpPr>
+            <p:cNvPr id="3" name="Straight Arrow Connector 2">
               <a:extLst>
                 <a:ext uri="{FF2B5EF4-FFF2-40B4-BE49-F238E27FC236}">
-                  <a16:creationId xmlns:a16="http://schemas.microsoft.com/office/drawing/2014/main" id="{02E60039-B4A1-D347-8EA9-7EE4F178666E}"/>
-                </a:ext>
-              </a:extLst>
-            </p:cNvPr>
-            <p:cNvSpPr/>
-            <p:nvPr/>
-          </p:nvSpPr>
-          <p:spPr>
-            <a:xfrm>
-              <a:off x="5406306" y="1554726"/>
-              <a:ext cx="1379388" cy="711942"/>
-            </a:xfrm>
-            <a:prstGeom prst="rect">
-              <a:avLst/>
-            </a:prstGeom>
-            <a:solidFill>
-              <a:schemeClr val="tx2">
-                <a:lumMod val="60000"/>
-                <a:lumOff val="40000"/>
-              </a:schemeClr>
-            </a:solidFill>
-            <a:ln>
-              <a:solidFill>
-                <a:schemeClr val="bg2">
-                  <a:lumMod val="90000"/>
-                </a:schemeClr>
-              </a:solidFill>
-            </a:ln>
-          </p:spPr>
-          <p:style>
-            <a:lnRef idx="2">
-              <a:schemeClr val="accent1">
-                <a:shade val="50000"/>
-              </a:schemeClr>
-            </a:lnRef>
-            <a:fillRef idx="1">
-              <a:schemeClr val="accent1"/>
-            </a:fillRef>
-            <a:effectRef idx="0">
-              <a:schemeClr val="accent1"/>
-            </a:effectRef>
-            <a:fontRef idx="minor">
-              <a:schemeClr val="lt1"/>
-            </a:fontRef>
-          </p:style>
-          <p:txBody>
-            <a:bodyPr rtlCol="0" anchor="ctr"/>
-            <a:lstStyle/>
-            <a:p>
-              <a:pPr algn="ctr"/>
-              <a:r>
-                <a:rPr lang="en-US" sz="1300" b="1">
-                  <a:solidFill>
-                    <a:schemeClr val="tx1"/>
-                  </a:solidFill>
-                  <a:latin typeface="Arial"/>
-                  <a:cs typeface="Calibri"/>
-                </a:rPr>
-                <a:t>Logic</a:t>
-              </a:r>
-            </a:p>
-          </p:txBody>
-        </p:sp>
-        <p:cxnSp>
-          <p:nvCxnSpPr>
-            <p:cNvPr id="12" name="Elbow Connector 11">
-              <a:extLst>
-                <a:ext uri="{FF2B5EF4-FFF2-40B4-BE49-F238E27FC236}">
-                  <a16:creationId xmlns:a16="http://schemas.microsoft.com/office/drawing/2014/main" id="{CEB4127B-D79B-BA4A-9F89-354DD416B999}"/>
+                  <a16:creationId xmlns:a16="http://schemas.microsoft.com/office/drawing/2014/main" id="{48C43463-4D56-1946-953E-07302A5D9F20}"/>
                 </a:ext>
               </a:extLst>
             </p:cNvPr>
             <p:cNvCxnSpPr>
-              <a:stCxn id="9" idx="3"/>
-              <a:endCxn id="7" idx="0"/>
+              <a:stCxn id="15" idx="3"/>
+              <a:endCxn id="14" idx="1"/>
             </p:cNvCxnSpPr>
             <p:nvPr/>
           </p:nvCxnSpPr>
           <p:spPr>
             <a:xfrm>
-              <a:off x="6785694" y="1910697"/>
-              <a:ext cx="3420656" cy="1868846"/>
-            </a:xfrm>
-            <a:prstGeom prst="bentConnector2">
-              <a:avLst/>
-            </a:prstGeom>
-            <a:ln>
-              <a:solidFill>
-                <a:schemeClr val="tx1"/>
-              </a:solidFill>
-              <a:tailEnd type="triangle"/>
-            </a:ln>
-          </p:spPr>
-          <p:style>
-            <a:lnRef idx="1">
-              <a:schemeClr val="accent1"/>
-            </a:lnRef>
-            <a:fillRef idx="0">
-              <a:schemeClr val="accent1"/>
-            </a:fillRef>
-            <a:effectRef idx="0">
-              <a:schemeClr val="accent1"/>
-            </a:effectRef>
-            <a:fontRef idx="minor">
-              <a:schemeClr val="tx1"/>
-            </a:fontRef>
-          </p:style>
-        </p:cxnSp>
-        <p:sp>
-          <p:nvSpPr>
-            <p:cNvPr id="14" name="Rectangle 13">
-              <a:extLst>
-                <a:ext uri="{FF2B5EF4-FFF2-40B4-BE49-F238E27FC236}">
-                  <a16:creationId xmlns:a16="http://schemas.microsoft.com/office/drawing/2014/main" id="{2E88E6F7-B11A-4AFD-941D-9752D2EC6A40}"/>
-                </a:ext>
-              </a:extLst>
-            </p:cNvPr>
-            <p:cNvSpPr/>
-            <p:nvPr/>
-          </p:nvSpPr>
-          <p:spPr>
-            <a:xfrm>
-              <a:off x="5406306" y="3779543"/>
-              <a:ext cx="1379388" cy="711942"/>
-            </a:xfrm>
-            <a:prstGeom prst="rect">
-              <a:avLst/>
-            </a:prstGeom>
-            <a:solidFill>
-              <a:schemeClr val="accent5">
-                <a:lumMod val="60000"/>
-                <a:lumOff val="40000"/>
-              </a:schemeClr>
-            </a:solidFill>
-            <a:ln>
-              <a:solidFill>
-                <a:schemeClr val="bg2">
-                  <a:lumMod val="90000"/>
-                </a:schemeClr>
-              </a:solidFill>
-            </a:ln>
-          </p:spPr>
-          <p:style>
-            <a:lnRef idx="2">
-              <a:schemeClr val="accent1">
-                <a:shade val="50000"/>
-              </a:schemeClr>
-            </a:lnRef>
-            <a:fillRef idx="1">
-              <a:schemeClr val="accent1"/>
-            </a:fillRef>
-            <a:effectRef idx="0">
-              <a:schemeClr val="accent1"/>
-            </a:effectRef>
-            <a:fontRef idx="minor">
-              <a:schemeClr val="lt1"/>
-            </a:fontRef>
-          </p:style>
-          <p:txBody>
-            <a:bodyPr rtlCol="0" anchor="ctr"/>
-            <a:lstStyle/>
-            <a:p>
-              <a:pPr algn="ctr"/>
-              <a:r>
-                <a:rPr lang="en-US" sz="1300" b="1" dirty="0">
-                  <a:solidFill>
-                    <a:schemeClr val="tx1"/>
-                  </a:solidFill>
-                  <a:latin typeface="Arial"/>
-                  <a:cs typeface="Calibri"/>
-                </a:rPr>
-                <a:t>Command</a:t>
-              </a:r>
-            </a:p>
-          </p:txBody>
-        </p:sp>
-        <p:sp>
-          <p:nvSpPr>
-            <p:cNvPr id="15" name="Rectangle 14">
-              <a:extLst>
-                <a:ext uri="{FF2B5EF4-FFF2-40B4-BE49-F238E27FC236}">
-                  <a16:creationId xmlns:a16="http://schemas.microsoft.com/office/drawing/2014/main" id="{DD38A2DE-AF83-46B5-9168-9473E10E142F}"/>
-                </a:ext>
-              </a:extLst>
-            </p:cNvPr>
-            <p:cNvSpPr/>
-            <p:nvPr/>
-          </p:nvSpPr>
-          <p:spPr>
-            <a:xfrm>
-              <a:off x="1448101" y="3779543"/>
-              <a:ext cx="1379388" cy="711942"/>
-            </a:xfrm>
-            <a:prstGeom prst="rect">
-              <a:avLst/>
-            </a:prstGeom>
-            <a:solidFill>
-              <a:schemeClr val="accent5">
-                <a:lumMod val="60000"/>
-                <a:lumOff val="40000"/>
-              </a:schemeClr>
-            </a:solidFill>
-            <a:ln>
-              <a:solidFill>
-                <a:schemeClr val="bg2">
-                  <a:lumMod val="90000"/>
-                </a:schemeClr>
-              </a:solidFill>
-            </a:ln>
-          </p:spPr>
-          <p:style>
-            <a:lnRef idx="2">
-              <a:schemeClr val="accent1">
-                <a:shade val="50000"/>
-              </a:schemeClr>
-            </a:lnRef>
-            <a:fillRef idx="1">
-              <a:schemeClr val="accent1"/>
-            </a:fillRef>
-            <a:effectRef idx="0">
-              <a:schemeClr val="accent1"/>
-            </a:effectRef>
-            <a:fontRef idx="minor">
-              <a:schemeClr val="lt1"/>
-            </a:fontRef>
-          </p:style>
-          <p:txBody>
-            <a:bodyPr rtlCol="0" anchor="ctr"/>
-            <a:lstStyle/>
-            <a:p>
-              <a:pPr algn="ctr"/>
-              <a:r>
-                <a:rPr lang="en-US" sz="1300" b="1">
-                  <a:solidFill>
-                    <a:schemeClr val="tx1"/>
-                  </a:solidFill>
-                  <a:latin typeface="Arial"/>
-                  <a:cs typeface="Calibri"/>
-                </a:rPr>
-                <a:t>Parser</a:t>
-              </a:r>
-              <a:endParaRPr lang="en-US" sz="1300" b="1" dirty="0">
-                <a:solidFill>
-                  <a:schemeClr val="tx1"/>
-                </a:solidFill>
-                <a:latin typeface="Arial"/>
-                <a:cs typeface="Calibri"/>
-              </a:endParaRPr>
-            </a:p>
-          </p:txBody>
-        </p:sp>
-        <p:cxnSp>
-          <p:nvCxnSpPr>
-            <p:cNvPr id="16" name="Straight Arrow Connector 15">
-              <a:extLst>
-                <a:ext uri="{FF2B5EF4-FFF2-40B4-BE49-F238E27FC236}">
-                  <a16:creationId xmlns:a16="http://schemas.microsoft.com/office/drawing/2014/main" id="{E9A4C38D-C522-43A8-891D-E37EC3690AF2}"/>
-                </a:ext>
-              </a:extLst>
-            </p:cNvPr>
-            <p:cNvCxnSpPr>
-              <a:stCxn id="9" idx="2"/>
-              <a:endCxn id="14" idx="0"/>
-            </p:cNvCxnSpPr>
-            <p:nvPr/>
-          </p:nvCxnSpPr>
-          <p:spPr>
-            <a:xfrm>
-              <a:off x="6096000" y="2266668"/>
-              <a:ext cx="0" cy="1512875"/>
+              <a:off x="2827489" y="4135514"/>
+              <a:ext cx="2578817" cy="0"/>
             </a:xfrm>
             <a:prstGeom prst="straightConnector1">
-              <a:avLst/>
-            </a:prstGeom>
-            <a:ln>
-              <a:tailEnd type="triangle"/>
-            </a:ln>
-          </p:spPr>
-          <p:style>
-            <a:lnRef idx="1">
-              <a:schemeClr val="dk1"/>
-            </a:lnRef>
-            <a:fillRef idx="0">
-              <a:schemeClr val="dk1"/>
-            </a:fillRef>
-            <a:effectRef idx="0">
-              <a:schemeClr val="dk1"/>
-            </a:effectRef>
-            <a:fontRef idx="minor">
-              <a:schemeClr val="tx1"/>
-            </a:fontRef>
-          </p:style>
-        </p:cxnSp>
-        <p:cxnSp>
-          <p:nvCxnSpPr>
-            <p:cNvPr id="18" name="Elbow Connector 11">
-              <a:extLst>
-                <a:ext uri="{FF2B5EF4-FFF2-40B4-BE49-F238E27FC236}">
-                  <a16:creationId xmlns:a16="http://schemas.microsoft.com/office/drawing/2014/main" id="{D0E9347E-8312-4724-B78E-CB17F881B144}"/>
-                </a:ext>
-              </a:extLst>
-            </p:cNvPr>
-            <p:cNvCxnSpPr>
-              <a:cxnSpLocks/>
-              <a:stCxn id="9" idx="1"/>
-              <a:endCxn id="15" idx="0"/>
-            </p:cNvCxnSpPr>
-            <p:nvPr/>
-          </p:nvCxnSpPr>
-          <p:spPr>
-            <a:xfrm rot="10800000" flipV="1">
-              <a:off x="2137796" y="1910697"/>
-              <a:ext cx="3268511" cy="1868846"/>
-            </a:xfrm>
-            <a:prstGeom prst="bentConnector2">
               <a:avLst/>
             </a:prstGeom>
             <a:ln>
